--- a/Team Himalaya (HM0024).pptx
+++ b/Team Himalaya (HM0024).pptx
@@ -15,19 +15,15 @@
   <p:notesSz cx="6858000" cy="9144000"/>
   <p:embeddedFontLst>
     <p:embeddedFont>
-      <p:font typeface="Canva Sans" panose="020B0604020202020204" charset="0"/>
+      <p:font typeface="Canva Sans Bold" panose="020B0604020202020204" charset="0"/>
       <p:regular r:id="rId7"/>
     </p:embeddedFont>
     <p:embeddedFont>
-      <p:font typeface="Canva Sans Bold" panose="020B0604020202020204" charset="0"/>
+      <p:font typeface="Corbel" panose="020B0503020204020204" pitchFamily="34" charset="0"/>
       <p:regular r:id="rId8"/>
-    </p:embeddedFont>
-    <p:embeddedFont>
-      <p:font typeface="Corbel" panose="020B0503020204020204" pitchFamily="34" charset="0"/>
-      <p:regular r:id="rId9"/>
-      <p:bold r:id="rId10"/>
-      <p:italic r:id="rId11"/>
-      <p:boldItalic r:id="rId12"/>
+      <p:bold r:id="rId9"/>
+      <p:italic r:id="rId10"/>
+      <p:boldItalic r:id="rId11"/>
     </p:embeddedFont>
   </p:embeddedFontLst>
   <p:defaultTextStyle>
@@ -4472,7 +4468,7 @@
         </p:nvSpPr>
         <p:spPr>
           <a:xfrm>
-            <a:off x="645789" y="580079"/>
+            <a:off x="914400" y="942975"/>
             <a:ext cx="3344035" cy="811517"/>
           </a:xfrm>
           <a:prstGeom prst="rect">
@@ -4656,7 +4652,7 @@
         </p:nvSpPr>
         <p:spPr>
           <a:xfrm>
-            <a:off x="13456513" y="942975"/>
+            <a:off x="13256570" y="942975"/>
             <a:ext cx="3344035" cy="811517"/>
           </a:xfrm>
           <a:prstGeom prst="rect">
@@ -4675,7 +4671,7 @@
               </a:lnSpc>
             </a:pPr>
             <a:r>
-              <a:rPr lang="en-US" sz="4800">
+              <a:rPr lang="en-US" sz="4800" dirty="0">
                 <a:solidFill>
                   <a:srgbClr val="000000"/>
                 </a:solidFill>
@@ -4695,7 +4691,7 @@
         <p:spPr>
           <a:xfrm>
             <a:off x="12023570" y="2303078"/>
-            <a:ext cx="5810037" cy="3782596"/>
+            <a:ext cx="5810037" cy="6030241"/>
           </a:xfrm>
           <a:prstGeom prst="rect">
             <a:avLst/>
@@ -4719,9 +4715,10 @@
                 <a:solidFill>
                   <a:srgbClr val="000000"/>
                 </a:solidFill>
-                <a:latin typeface="Canva Sans"/>
+                <a:latin typeface="Times New Roman" panose="02020603050405020304" pitchFamily="18" charset="0"/>
+                <a:cs typeface="Times New Roman" panose="02020603050405020304" pitchFamily="18" charset="0"/>
               </a:rPr>
-              <a:t>List the key technologies, frameworks, and tools you used.</a:t>
+              <a:t>Python</a:t>
             </a:r>
           </a:p>
           <a:p>
@@ -4733,14 +4730,140 @@
               <a:buChar char="•"/>
             </a:pPr>
             <a:r>
+              <a:rPr lang="en-US" sz="3091" dirty="0" err="1">
+                <a:solidFill>
+                  <a:srgbClr val="000000"/>
+                </a:solidFill>
+                <a:latin typeface="Times New Roman" panose="02020603050405020304" pitchFamily="18" charset="0"/>
+                <a:cs typeface="Times New Roman" panose="02020603050405020304" pitchFamily="18" charset="0"/>
+              </a:rPr>
+              <a:t>Streamlit</a:t>
+            </a:r>
+            <a:endParaRPr lang="en-US" sz="3091" dirty="0">
+              <a:solidFill>
+                <a:srgbClr val="000000"/>
+              </a:solidFill>
+              <a:latin typeface="Times New Roman" panose="02020603050405020304" pitchFamily="18" charset="0"/>
+              <a:cs typeface="Times New Roman" panose="02020603050405020304" pitchFamily="18" charset="0"/>
+            </a:endParaRPr>
+          </a:p>
+          <a:p>
+            <a:pPr marL="667485" lvl="1" indent="-333742">
+              <a:lnSpc>
+                <a:spcPts val="4328"/>
+              </a:lnSpc>
+              <a:buFont typeface="Arial"/>
+              <a:buChar char="•"/>
+            </a:pPr>
+            <a:r>
               <a:rPr lang="en-US" sz="3091" dirty="0">
                 <a:solidFill>
                   <a:srgbClr val="000000"/>
                 </a:solidFill>
-                <a:latin typeface="Canva Sans"/>
+                <a:latin typeface="Times New Roman" panose="02020603050405020304" pitchFamily="18" charset="0"/>
+                <a:cs typeface="Times New Roman" panose="02020603050405020304" pitchFamily="18" charset="0"/>
               </a:rPr>
-              <a:t>Briefly explain the technical architecture of your solution</a:t>
-            </a:r>
+              <a:t>SQLite</a:t>
+            </a:r>
+          </a:p>
+          <a:p>
+            <a:pPr marL="667485" lvl="1" indent="-333742">
+              <a:lnSpc>
+                <a:spcPts val="4328"/>
+              </a:lnSpc>
+              <a:buFont typeface="Arial"/>
+              <a:buChar char="•"/>
+            </a:pPr>
+            <a:r>
+              <a:rPr lang="en-US" sz="3091" dirty="0">
+                <a:solidFill>
+                  <a:srgbClr val="000000"/>
+                </a:solidFill>
+                <a:latin typeface="Times New Roman" panose="02020603050405020304" pitchFamily="18" charset="0"/>
+                <a:cs typeface="Times New Roman" panose="02020603050405020304" pitchFamily="18" charset="0"/>
+              </a:rPr>
+              <a:t>NLTK</a:t>
+            </a:r>
+          </a:p>
+          <a:p>
+            <a:pPr marL="667485" lvl="1" indent="-333742">
+              <a:lnSpc>
+                <a:spcPts val="4328"/>
+              </a:lnSpc>
+              <a:buFont typeface="Arial"/>
+              <a:buChar char="•"/>
+            </a:pPr>
+            <a:r>
+              <a:rPr lang="en-US" sz="3091" dirty="0">
+                <a:solidFill>
+                  <a:srgbClr val="000000"/>
+                </a:solidFill>
+                <a:latin typeface="Times New Roman" panose="02020603050405020304" pitchFamily="18" charset="0"/>
+                <a:cs typeface="Times New Roman" panose="02020603050405020304" pitchFamily="18" charset="0"/>
+              </a:rPr>
+              <a:t>SK – Learn</a:t>
+            </a:r>
+          </a:p>
+          <a:p>
+            <a:pPr marL="667485" lvl="1" indent="-333742">
+              <a:lnSpc>
+                <a:spcPts val="4328"/>
+              </a:lnSpc>
+              <a:buFont typeface="Arial"/>
+              <a:buChar char="•"/>
+            </a:pPr>
+            <a:r>
+              <a:rPr lang="en-US" sz="3091" dirty="0">
+                <a:solidFill>
+                  <a:srgbClr val="000000"/>
+                </a:solidFill>
+                <a:latin typeface="Times New Roman" panose="02020603050405020304" pitchFamily="18" charset="0"/>
+                <a:cs typeface="Times New Roman" panose="02020603050405020304" pitchFamily="18" charset="0"/>
+              </a:rPr>
+              <a:t>Pandas</a:t>
+            </a:r>
+          </a:p>
+          <a:p>
+            <a:pPr marL="667485" lvl="1" indent="-333742">
+              <a:lnSpc>
+                <a:spcPts val="4328"/>
+              </a:lnSpc>
+              <a:buFont typeface="Arial"/>
+              <a:buChar char="•"/>
+            </a:pPr>
+            <a:r>
+              <a:rPr lang="en-US" sz="3091" dirty="0" err="1">
+                <a:solidFill>
+                  <a:srgbClr val="000000"/>
+                </a:solidFill>
+                <a:latin typeface="Times New Roman" panose="02020603050405020304" pitchFamily="18" charset="0"/>
+                <a:cs typeface="Times New Roman" panose="02020603050405020304" pitchFamily="18" charset="0"/>
+              </a:rPr>
+              <a:t>MatplotLib</a:t>
+            </a:r>
+            <a:endParaRPr lang="en-US" sz="3091" dirty="0">
+              <a:solidFill>
+                <a:srgbClr val="000000"/>
+              </a:solidFill>
+              <a:latin typeface="Times New Roman" panose="02020603050405020304" pitchFamily="18" charset="0"/>
+              <a:cs typeface="Times New Roman" panose="02020603050405020304" pitchFamily="18" charset="0"/>
+            </a:endParaRPr>
+          </a:p>
+          <a:p>
+            <a:pPr marL="667485" lvl="1" indent="-333742">
+              <a:lnSpc>
+                <a:spcPts val="4328"/>
+              </a:lnSpc>
+              <a:buFont typeface="Arial"/>
+              <a:buChar char="•"/>
+            </a:pPr>
+            <a:endParaRPr lang="en-US" sz="3091" dirty="0">
+              <a:solidFill>
+                <a:srgbClr val="000000"/>
+              </a:solidFill>
+              <a:latin typeface="Times New Roman" panose="02020603050405020304" pitchFamily="18" charset="0"/>
+              <a:cs typeface="Times New Roman" panose="02020603050405020304" pitchFamily="18" charset="0"/>
+            </a:endParaRPr>
           </a:p>
           <a:p>
             <a:pPr>
@@ -4748,12 +4871,16 @@
                 <a:spcPts val="4328"/>
               </a:lnSpc>
             </a:pPr>
-            <a:endParaRPr lang="en-US" sz="3091" dirty="0">
-              <a:solidFill>
-                <a:srgbClr val="000000"/>
-              </a:solidFill>
-              <a:latin typeface="Canva Sans"/>
-            </a:endParaRPr>
+            <a:r>
+              <a:rPr lang="en-US" sz="3091" dirty="0">
+                <a:solidFill>
+                  <a:srgbClr val="000000"/>
+                </a:solidFill>
+                <a:latin typeface="Times New Roman" panose="02020603050405020304" pitchFamily="18" charset="0"/>
+                <a:cs typeface="Times New Roman" panose="02020603050405020304" pitchFamily="18" charset="0"/>
+              </a:rPr>
+              <a:t>All in one app, which is unified and has integrated Backend and Frontend. </a:t>
+            </a:r>
           </a:p>
         </p:txBody>
       </p:sp>
@@ -5694,7 +5821,7 @@
         </p:nvSpPr>
         <p:spPr>
           <a:xfrm>
-            <a:off x="1028700" y="1327536"/>
+            <a:off x="1028700" y="1131570"/>
             <a:ext cx="5649813" cy="811530"/>
           </a:xfrm>
           <a:prstGeom prst="rect">
@@ -5716,7 +5843,7 @@
               </a:spcBef>
             </a:pPr>
             <a:r>
-              <a:rPr lang="en-US" sz="4800">
+              <a:rPr lang="en-US" sz="4800" dirty="0">
                 <a:solidFill>
                   <a:srgbClr val="000000"/>
                 </a:solidFill>
@@ -6052,6 +6179,36 @@
           </a:p>
         </p:txBody>
       </p:sp>
+      <p:pic>
+        <p:nvPicPr>
+          <p:cNvPr id="3" name="Picture 2">
+            <a:extLst>
+              <a:ext uri="{FF2B5EF4-FFF2-40B4-BE49-F238E27FC236}">
+                <a16:creationId xmlns:a16="http://schemas.microsoft.com/office/drawing/2014/main" id="{861BD81D-7358-B252-92FF-BF5ADBF42AFA}"/>
+              </a:ext>
+            </a:extLst>
+          </p:cNvPr>
+          <p:cNvPicPr>
+            <a:picLocks noChangeAspect="1"/>
+          </p:cNvPicPr>
+          <p:nvPr/>
+        </p:nvPicPr>
+        <p:blipFill>
+          <a:blip r:embed="rId2"/>
+          <a:stretch>
+            <a:fillRect/>
+          </a:stretch>
+        </p:blipFill>
+        <p:spPr>
+          <a:xfrm>
+            <a:off x="3988635" y="2171700"/>
+            <a:ext cx="10260765" cy="7496175"/>
+          </a:xfrm>
+          <a:prstGeom prst="rect">
+            <a:avLst/>
+          </a:prstGeom>
+        </p:spPr>
+      </p:pic>
     </p:spTree>
   </p:cSld>
   <p:clrMapOvr>
